--- a/img/Architectures.pptx
+++ b/img/Architectures.pptx
@@ -559,6 +559,90 @@
 </p:notes>
 </file>
 
+<file path=ppt/notesSlides/notesSlide10.xml><?xml version="1.0" encoding="utf-8"?>
+<p:notes xmlns:a="http://schemas.openxmlformats.org/drawingml/2006/main" xmlns:r="http://schemas.openxmlformats.org/officeDocument/2006/relationships" xmlns:p="http://schemas.openxmlformats.org/presentationml/2006/main">
+  <p:cSld>
+    <p:spTree>
+      <p:nvGrpSpPr>
+        <p:cNvPr id="1" name=""/>
+        <p:cNvGrpSpPr/>
+        <p:nvPr/>
+      </p:nvGrpSpPr>
+      <p:grpSpPr>
+        <a:xfrm>
+          <a:off x="0" y="0"/>
+          <a:ext cx="0" cy="0"/>
+          <a:chOff x="0" y="0"/>
+          <a:chExt cx="0" cy="0"/>
+        </a:xfrm>
+      </p:grpSpPr>
+      <p:sp>
+        <p:nvSpPr>
+          <p:cNvPr id="2" name="Slide Image Placeholder 1"/>
+          <p:cNvSpPr>
+            <a:spLocks noGrp="1" noRot="1" noChangeAspect="1"/>
+          </p:cNvSpPr>
+          <p:nvPr>
+            <p:ph type="sldImg"/>
+          </p:nvPr>
+        </p:nvSpPr>
+        <p:spPr/>
+      </p:sp>
+      <p:sp>
+        <p:nvSpPr>
+          <p:cNvPr id="3" name="Notes Placeholder 2"/>
+          <p:cNvSpPr>
+            <a:spLocks noGrp="1"/>
+          </p:cNvSpPr>
+          <p:nvPr>
+            <p:ph type="body" idx="1"/>
+          </p:nvPr>
+        </p:nvSpPr>
+        <p:spPr/>
+        <p:txBody>
+          <a:bodyPr/>
+          <a:lstStyle/>
+          <a:p>
+            <a:endParaRPr lang="en-US" dirty="0"/>
+          </a:p>
+        </p:txBody>
+      </p:sp>
+      <p:sp>
+        <p:nvSpPr>
+          <p:cNvPr id="4" name="Slide Number Placeholder 3"/>
+          <p:cNvSpPr>
+            <a:spLocks noGrp="1"/>
+          </p:cNvSpPr>
+          <p:nvPr>
+            <p:ph type="sldNum" sz="quarter" idx="10"/>
+          </p:nvPr>
+        </p:nvSpPr>
+        <p:spPr/>
+        <p:txBody>
+          <a:bodyPr/>
+          <a:lstStyle/>
+          <a:p>
+            <a:fld id="{1668FF75-AAF2-2041-8052-7B8BE908F460}" type="slidenum">
+              <a:rPr lang="en-US" smtClean="0"/>
+              <a:t>11</a:t>
+            </a:fld>
+            <a:endParaRPr lang="en-US"/>
+          </a:p>
+        </p:txBody>
+      </p:sp>
+    </p:spTree>
+    <p:extLst>
+      <p:ext uri="{BB962C8B-B14F-4D97-AF65-F5344CB8AC3E}">
+        <p14:creationId xmlns:p14="http://schemas.microsoft.com/office/powerpoint/2010/main" val="1279491102"/>
+      </p:ext>
+    </p:extLst>
+  </p:cSld>
+  <p:clrMapOvr>
+    <a:masterClrMapping/>
+  </p:clrMapOvr>
+</p:notes>
+</file>
+
 <file path=ppt/notesSlides/notesSlide2.xml><?xml version="1.0" encoding="utf-8"?>
 <p:notes xmlns:a="http://schemas.openxmlformats.org/drawingml/2006/main" xmlns:r="http://schemas.openxmlformats.org/officeDocument/2006/relationships" xmlns:p="http://schemas.openxmlformats.org/presentationml/2006/main">
   <p:cSld>
@@ -1212,7 +1296,7 @@
           <a:p>
             <a:fld id="{1668FF75-AAF2-2041-8052-7B8BE908F460}" type="slidenum">
               <a:rPr lang="en-US" smtClean="0"/>
-              <a:t>11</a:t>
+              <a:t>9</a:t>
             </a:fld>
             <a:endParaRPr lang="en-US"/>
           </a:p>
@@ -1221,7 +1305,7 @@
     </p:spTree>
     <p:extLst>
       <p:ext uri="{BB962C8B-B14F-4D97-AF65-F5344CB8AC3E}">
-        <p14:creationId xmlns:p14="http://schemas.microsoft.com/office/powerpoint/2010/main" val="1279491102"/>
+        <p14:creationId xmlns:p14="http://schemas.microsoft.com/office/powerpoint/2010/main" val="1700503165"/>
       </p:ext>
     </p:extLst>
   </p:cSld>
@@ -10124,7 +10208,7 @@
         </p:blipFill>
         <p:spPr bwMode="auto">
           <a:xfrm>
-            <a:off x="1090630" y="1662106"/>
+            <a:off x="654452" y="6609432"/>
             <a:ext cx="472994" cy="248568"/>
           </a:xfrm>
           <a:prstGeom prst="rect">
@@ -10477,7 +10561,7 @@
         </p:nvSpPr>
         <p:spPr>
           <a:xfrm>
-            <a:off x="8280154" y="3171605"/>
+            <a:off x="7793180" y="3180748"/>
             <a:ext cx="1659374" cy="687903"/>
           </a:xfrm>
           <a:prstGeom prst="rect">
@@ -10866,8 +10950,8 @@
         </p:nvCxnSpPr>
         <p:spPr>
           <a:xfrm rot="5400000">
-            <a:off x="10033342" y="2353922"/>
-            <a:ext cx="1067822" cy="1255449"/>
+            <a:off x="9785284" y="2115006"/>
+            <a:ext cx="1076965" cy="1742423"/>
           </a:xfrm>
           <a:prstGeom prst="bentConnector2">
             <a:avLst/>
@@ -10904,9 +10988,9 @@
           <p:nvPr/>
         </p:nvCxnSpPr>
         <p:spPr>
-          <a:xfrm flipH="1">
-            <a:off x="5025621" y="3515557"/>
-            <a:ext cx="3254533" cy="1"/>
+          <a:xfrm flipH="1" flipV="1">
+            <a:off x="5025621" y="3515558"/>
+            <a:ext cx="2767559" cy="9142"/>
           </a:xfrm>
           <a:prstGeom prst="straightConnector1">
             <a:avLst/>
@@ -11147,8 +11231,8 @@
         </p:nvSpPr>
         <p:spPr>
           <a:xfrm>
-            <a:off x="1749459" y="4291558"/>
-            <a:ext cx="8368248" cy="1247865"/>
+            <a:off x="1749459" y="4436131"/>
+            <a:ext cx="8368248" cy="1670671"/>
           </a:xfrm>
           <a:prstGeom prst="rect">
             <a:avLst/>
@@ -11188,7 +11272,15 @@
                   <a:sysClr val="windowText" lastClr="000000"/>
                 </a:solidFill>
               </a:rPr>
-              <a:t>Computational Fact Checking using Knowledge Graph</a:t>
+              <a:t>Computational Fact </a:t>
+            </a:r>
+            <a:r>
+              <a:rPr lang="en-US" dirty="0" smtClean="0">
+                <a:solidFill>
+                  <a:sysClr val="windowText" lastClr="000000"/>
+                </a:solidFill>
+              </a:rPr>
+              <a:t>Checking</a:t>
             </a:r>
             <a:endParaRPr lang="en-US" dirty="0">
               <a:solidFill>
@@ -11258,13 +11350,14 @@
           <p:cNvPr id="108" name="Elbow Connector 107"/>
           <p:cNvCxnSpPr>
             <a:stCxn id="107" idx="2"/>
+            <a:endCxn id="112" idx="1"/>
           </p:cNvCxnSpPr>
           <p:nvPr/>
         </p:nvCxnSpPr>
         <p:spPr>
           <a:xfrm rot="16200000" flipH="1">
-            <a:off x="1036387" y="3885876"/>
-            <a:ext cx="1046158" cy="1222200"/>
+            <a:off x="943476" y="3978787"/>
+            <a:ext cx="1209075" cy="1199294"/>
           </a:xfrm>
           <a:prstGeom prst="bentConnector2">
             <a:avLst/>
@@ -11299,7 +11392,7 @@
         </p:nvSpPr>
         <p:spPr>
           <a:xfrm>
-            <a:off x="2170566" y="4671984"/>
+            <a:off x="2147660" y="4839020"/>
             <a:ext cx="1436788" cy="687903"/>
           </a:xfrm>
           <a:prstGeom prst="rect">
@@ -11351,14 +11444,14 @@
           <p:cNvPr id="113" name="Straight Arrow Connector 112"/>
           <p:cNvCxnSpPr>
             <a:stCxn id="112" idx="3"/>
-            <a:endCxn id="116" idx="1"/>
+            <a:endCxn id="119" idx="1"/>
           </p:cNvCxnSpPr>
           <p:nvPr/>
         </p:nvCxnSpPr>
         <p:spPr>
           <a:xfrm flipV="1">
-            <a:off x="3607354" y="5015935"/>
-            <a:ext cx="801094" cy="1"/>
+            <a:off x="3584448" y="5182971"/>
+            <a:ext cx="975764" cy="1"/>
           </a:xfrm>
           <a:prstGeom prst="straightConnector1">
             <a:avLst/>
@@ -11387,14 +11480,14 @@
       </p:cxnSp>
       <p:sp>
         <p:nvSpPr>
-          <p:cNvPr id="116" name="Rectangle 115"/>
+          <p:cNvPr id="119" name="Rectangle 118"/>
           <p:cNvSpPr/>
           <p:nvPr/>
         </p:nvSpPr>
         <p:spPr>
           <a:xfrm>
-            <a:off x="4408448" y="4671983"/>
-            <a:ext cx="1979917" cy="687903"/>
+            <a:off x="4560212" y="4839019"/>
+            <a:ext cx="1577832" cy="687903"/>
           </a:xfrm>
           <a:prstGeom prst="rect">
             <a:avLst/>
@@ -11430,15 +11523,7 @@
                   <a:sysClr val="windowText" lastClr="000000"/>
                 </a:solidFill>
               </a:rPr>
-              <a:t>Knowledge </a:t>
-            </a:r>
-            <a:r>
-              <a:rPr lang="en-US" smtClean="0">
-                <a:solidFill>
-                  <a:sysClr val="windowText" lastClr="000000"/>
-                </a:solidFill>
-              </a:rPr>
-              <a:t>Graph Construction</a:t>
+              <a:t>Computational Fact Checking</a:t>
             </a:r>
             <a:endParaRPr lang="en-US" dirty="0">
               <a:solidFill>
@@ -11450,112 +11535,409 @@
       </p:sp>
       <p:sp>
         <p:nvSpPr>
-          <p:cNvPr id="119" name="Rectangle 118"/>
+          <p:cNvPr id="125" name="TextBox 124"/>
+          <p:cNvSpPr txBox="1"/>
+          <p:nvPr/>
+        </p:nvSpPr>
+        <p:spPr>
+          <a:xfrm>
+            <a:off x="3511871" y="4869635"/>
+            <a:ext cx="1131129" cy="430887"/>
+          </a:xfrm>
+          <a:prstGeom prst="rect">
+            <a:avLst/>
+          </a:prstGeom>
+          <a:noFill/>
+        </p:spPr>
+        <p:txBody>
+          <a:bodyPr wrap="square" rtlCol="0">
+            <a:spAutoFit/>
+          </a:bodyPr>
+          <a:lstStyle/>
+          <a:p>
+            <a:pPr algn="ctr"/>
+            <a:r>
+              <a:rPr lang="en-US" sz="1400" dirty="0" smtClean="0"/>
+              <a:t>RDF Triples</a:t>
+            </a:r>
+          </a:p>
+          <a:p>
+            <a:pPr algn="ctr"/>
+            <a:endParaRPr lang="en-US" sz="800" dirty="0" smtClean="0"/>
+          </a:p>
+        </p:txBody>
+      </p:sp>
+      <p:sp>
+        <p:nvSpPr>
+          <p:cNvPr id="138" name="TextBox 137"/>
+          <p:cNvSpPr txBox="1"/>
+          <p:nvPr/>
+        </p:nvSpPr>
+        <p:spPr>
+          <a:xfrm>
+            <a:off x="8769866" y="4729515"/>
+            <a:ext cx="1372617" cy="461665"/>
+          </a:xfrm>
+          <a:prstGeom prst="rect">
+            <a:avLst/>
+          </a:prstGeom>
+          <a:noFill/>
+        </p:spPr>
+        <p:txBody>
+          <a:bodyPr wrap="square" rtlCol="0">
+            <a:spAutoFit/>
+          </a:bodyPr>
+          <a:lstStyle/>
+          <a:p>
+            <a:pPr algn="ctr"/>
+            <a:r>
+              <a:rPr lang="en-US" sz="1200" dirty="0" smtClean="0"/>
+              <a:t>Discarded facts</a:t>
+            </a:r>
+          </a:p>
+          <a:p>
+            <a:pPr algn="ctr"/>
+            <a:r>
+              <a:rPr lang="en-US" sz="1200" dirty="0" smtClean="0"/>
+              <a:t>(Low Truth Value) </a:t>
+            </a:r>
+            <a:endParaRPr lang="en-US" sz="1200" dirty="0" smtClean="0"/>
+          </a:p>
+        </p:txBody>
+      </p:sp>
+      <p:sp>
+        <p:nvSpPr>
+          <p:cNvPr id="143" name="TextBox 142"/>
+          <p:cNvSpPr txBox="1"/>
+          <p:nvPr/>
+        </p:nvSpPr>
+        <p:spPr>
+          <a:xfrm>
+            <a:off x="5445495" y="3208621"/>
+            <a:ext cx="2031005" cy="307777"/>
+          </a:xfrm>
+          <a:prstGeom prst="rect">
+            <a:avLst/>
+          </a:prstGeom>
+          <a:noFill/>
+        </p:spPr>
+        <p:txBody>
+          <a:bodyPr wrap="none" rtlCol="0">
+            <a:spAutoFit/>
+          </a:bodyPr>
+          <a:lstStyle/>
+          <a:p>
+            <a:pPr algn="ctr"/>
+            <a:r>
+              <a:rPr lang="en-US" sz="1400" smtClean="0"/>
+              <a:t>Relevant Text Documents</a:t>
+            </a:r>
+            <a:endParaRPr lang="en-US" sz="1400" dirty="0"/>
+          </a:p>
+        </p:txBody>
+      </p:sp>
+      <p:sp>
+        <p:nvSpPr>
+          <p:cNvPr id="144" name="Rectangle 143"/>
           <p:cNvSpPr/>
           <p:nvPr/>
         </p:nvSpPr>
         <p:spPr>
           <a:xfrm>
-            <a:off x="7753767" y="4671983"/>
-            <a:ext cx="1577832" cy="687903"/>
-          </a:xfrm>
-          <a:prstGeom prst="rect">
+            <a:off x="1981478" y="3542566"/>
+            <a:ext cx="524182" cy="215444"/>
+          </a:xfrm>
+          <a:prstGeom prst="rect">
+            <a:avLst/>
+          </a:prstGeom>
+          <a:solidFill>
+            <a:schemeClr val="bg1"/>
+          </a:solidFill>
+        </p:spPr>
+        <p:txBody>
+          <a:bodyPr wrap="none" lIns="0" tIns="0" rIns="0" bIns="0">
+            <a:spAutoFit/>
+          </a:bodyPr>
+          <a:lstStyle/>
+          <a:p>
+            <a:r>
+              <a:rPr lang="en-US" sz="1400" dirty="0" smtClean="0">
+                <a:solidFill>
+                  <a:sysClr val="windowText" lastClr="000000"/>
+                </a:solidFill>
+              </a:rPr>
+              <a:t>Output</a:t>
+            </a:r>
+            <a:endParaRPr lang="en-US" sz="1400" dirty="0"/>
+          </a:p>
+        </p:txBody>
+      </p:sp>
+      <p:sp>
+        <p:nvSpPr>
+          <p:cNvPr id="155" name="TextBox 154"/>
+          <p:cNvSpPr txBox="1"/>
+          <p:nvPr/>
+        </p:nvSpPr>
+        <p:spPr>
+          <a:xfrm>
+            <a:off x="6986551" y="5691262"/>
+            <a:ext cx="2216265" cy="430887"/>
+          </a:xfrm>
+          <a:prstGeom prst="rect">
+            <a:avLst/>
+          </a:prstGeom>
+          <a:noFill/>
+        </p:spPr>
+        <p:txBody>
+          <a:bodyPr wrap="square" rtlCol="0">
+            <a:spAutoFit/>
+          </a:bodyPr>
+          <a:lstStyle/>
+          <a:p>
+            <a:pPr algn="r"/>
+            <a:r>
+              <a:rPr lang="en-US" sz="1100" dirty="0" smtClean="0"/>
+              <a:t>Knowledge Graph Update with high truth value </a:t>
+            </a:r>
+            <a:r>
+              <a:rPr lang="en-US" sz="1100" dirty="0" smtClean="0"/>
+              <a:t>facts.</a:t>
+            </a:r>
+            <a:endParaRPr lang="en-US" sz="1100" dirty="0" smtClean="0"/>
+          </a:p>
+        </p:txBody>
+      </p:sp>
+      <p:sp>
+        <p:nvSpPr>
+          <p:cNvPr id="120" name="TextBox 119"/>
+          <p:cNvSpPr txBox="1"/>
+          <p:nvPr/>
+        </p:nvSpPr>
+        <p:spPr>
+          <a:xfrm>
+            <a:off x="5478042" y="220181"/>
+            <a:ext cx="1362168" cy="369332"/>
+          </a:xfrm>
+          <a:prstGeom prst="rect">
+            <a:avLst/>
+          </a:prstGeom>
+          <a:noFill/>
+        </p:spPr>
+        <p:txBody>
+          <a:bodyPr wrap="none" rtlCol="0">
+            <a:spAutoFit/>
+          </a:bodyPr>
+          <a:lstStyle/>
+          <a:p>
+            <a:r>
+              <a:rPr lang="en-US" smtClean="0"/>
+              <a:t>FOR REPORT</a:t>
+            </a:r>
+            <a:endParaRPr lang="en-US"/>
+          </a:p>
+        </p:txBody>
+      </p:sp>
+      <p:grpSp>
+        <p:nvGrpSpPr>
+          <p:cNvPr id="27" name="Group 26"/>
+          <p:cNvGrpSpPr/>
+          <p:nvPr/>
+        </p:nvGrpSpPr>
+        <p:grpSpPr>
+          <a:xfrm>
+            <a:off x="7448084" y="4846782"/>
+            <a:ext cx="1435544" cy="663857"/>
+            <a:chOff x="6223780" y="4460608"/>
+            <a:chExt cx="1435544" cy="663857"/>
+          </a:xfrm>
+        </p:grpSpPr>
+        <p:pic>
+          <p:nvPicPr>
+            <p:cNvPr id="17" name="Picture 2" descr="mage result for knowledge graph"/>
+            <p:cNvPicPr>
+              <a:picLocks noChangeAspect="1" noChangeArrowheads="1"/>
+            </p:cNvPicPr>
+            <p:nvPr/>
+          </p:nvPicPr>
+          <p:blipFill rotWithShape="1">
+            <a:blip r:embed="rId4">
+              <a:extLst>
+                <a:ext uri="{28A0092B-C50C-407E-A947-70E740481C1C}">
+                  <a14:useLocalDpi xmlns:a14="http://schemas.microsoft.com/office/drawing/2010/main" val="0"/>
+                </a:ext>
+              </a:extLst>
+            </a:blip>
+            <a:srcRect l="21275" r="27879"/>
+            <a:stretch/>
+          </p:blipFill>
+          <p:spPr bwMode="auto">
+            <a:xfrm>
+              <a:off x="6998015" y="4460608"/>
+              <a:ext cx="661309" cy="663857"/>
+            </a:xfrm>
+            <a:prstGeom prst="rect">
+              <a:avLst/>
+            </a:prstGeom>
+            <a:noFill/>
+            <a:extLst>
+              <a:ext uri="{909E8E84-426E-40DD-AFC4-6F175D3DCCD1}">
+                <a14:hiddenFill xmlns:a14="http://schemas.microsoft.com/office/drawing/2010/main">
+                  <a:solidFill>
+                    <a:srgbClr val="FFFFFF"/>
+                  </a:solidFill>
+                </a14:hiddenFill>
+              </a:ext>
+            </a:extLst>
+          </p:spPr>
+        </p:pic>
+        <p:sp>
+          <p:nvSpPr>
+            <p:cNvPr id="46" name="Can 45"/>
+            <p:cNvSpPr/>
+            <p:nvPr/>
+          </p:nvSpPr>
+          <p:spPr>
+            <a:xfrm>
+              <a:off x="6223780" y="4521676"/>
+              <a:ext cx="1293201" cy="583732"/>
+            </a:xfrm>
+            <a:prstGeom prst="can">
+              <a:avLst/>
+            </a:prstGeom>
+            <a:noFill/>
+          </p:spPr>
+          <p:style>
+            <a:lnRef idx="2">
+              <a:schemeClr val="accent1">
+                <a:shade val="50000"/>
+              </a:schemeClr>
+            </a:lnRef>
+            <a:fillRef idx="1">
+              <a:schemeClr val="accent1"/>
+            </a:fillRef>
+            <a:effectRef idx="0">
+              <a:schemeClr val="accent1"/>
+            </a:effectRef>
+            <a:fontRef idx="minor">
+              <a:schemeClr val="lt1"/>
+            </a:fontRef>
+          </p:style>
+          <p:txBody>
+            <a:bodyPr rtlCol="0" anchor="ctr"/>
+            <a:lstStyle/>
+            <a:p>
+              <a:pPr algn="ctr"/>
+              <a:r>
+                <a:rPr lang="en-US" sz="1200" dirty="0" smtClean="0">
+                  <a:solidFill>
+                    <a:sysClr val="windowText" lastClr="000000"/>
+                  </a:solidFill>
+                </a:rPr>
+                <a:t>Base Knowledge Graph</a:t>
+              </a:r>
+              <a:endParaRPr lang="en-US" sz="1200" dirty="0">
+                <a:solidFill>
+                  <a:sysClr val="windowText" lastClr="000000"/>
+                </a:solidFill>
+              </a:endParaRPr>
+            </a:p>
+          </p:txBody>
+        </p:sp>
+      </p:grpSp>
+      <p:cxnSp>
+        <p:nvCxnSpPr>
+          <p:cNvPr id="71" name="Straight Arrow Connector 70"/>
+          <p:cNvCxnSpPr>
+            <a:stCxn id="119" idx="3"/>
+          </p:cNvCxnSpPr>
+          <p:nvPr/>
+        </p:nvCxnSpPr>
+        <p:spPr>
+          <a:xfrm flipV="1">
+            <a:off x="6138044" y="5182970"/>
+            <a:ext cx="1286068" cy="1"/>
+          </a:xfrm>
+          <a:prstGeom prst="straightConnector1">
             <a:avLst/>
           </a:prstGeom>
           <a:ln>
             <a:solidFill>
               <a:schemeClr val="tx1"/>
             </a:solidFill>
+            <a:tailEnd type="triangle"/>
           </a:ln>
         </p:spPr>
         <p:style>
-          <a:lnRef idx="2">
-            <a:schemeClr val="accent6"/>
+          <a:lnRef idx="1">
+            <a:schemeClr val="accent1"/>
           </a:lnRef>
-          <a:fillRef idx="1">
-            <a:schemeClr val="lt1"/>
+          <a:fillRef idx="0">
+            <a:schemeClr val="accent1"/>
           </a:fillRef>
           <a:effectRef idx="0">
-            <a:schemeClr val="accent6"/>
+            <a:schemeClr val="accent1"/>
           </a:effectRef>
           <a:fontRef idx="minor">
-            <a:schemeClr val="dk1"/>
+            <a:schemeClr val="tx1"/>
           </a:fontRef>
         </p:style>
-        <p:txBody>
-          <a:bodyPr rtlCol="0" anchor="ctr"/>
-          <a:lstStyle/>
-          <a:p>
-            <a:pPr algn="ctr"/>
-            <a:r>
-              <a:rPr lang="en-US" dirty="0" smtClean="0">
-                <a:solidFill>
-                  <a:sysClr val="windowText" lastClr="000000"/>
-                </a:solidFill>
-              </a:rPr>
-              <a:t>Computational Fact Checking</a:t>
-            </a:r>
-            <a:endParaRPr lang="en-US" dirty="0">
-              <a:solidFill>
-                <a:sysClr val="windowText" lastClr="000000"/>
-              </a:solidFill>
-            </a:endParaRPr>
-          </a:p>
-        </p:txBody>
-      </p:sp>
-      <p:sp>
-        <p:nvSpPr>
-          <p:cNvPr id="125" name="TextBox 124"/>
-          <p:cNvSpPr txBox="1"/>
-          <p:nvPr/>
-        </p:nvSpPr>
-        <p:spPr>
-          <a:xfrm>
-            <a:off x="3669195" y="5016203"/>
-            <a:ext cx="662425" cy="523220"/>
-          </a:xfrm>
-          <a:prstGeom prst="rect">
-            <a:avLst/>
-          </a:prstGeom>
-          <a:noFill/>
-        </p:spPr>
-        <p:txBody>
-          <a:bodyPr wrap="none" rtlCol="0">
+      </p:cxnSp>
+      <p:sp>
+        <p:nvSpPr>
+          <p:cNvPr id="34" name="Rectangle 33"/>
+          <p:cNvSpPr/>
+          <p:nvPr/>
+        </p:nvSpPr>
+        <p:spPr>
+          <a:xfrm>
+            <a:off x="6199590" y="4947877"/>
+            <a:ext cx="1162976" cy="461665"/>
+          </a:xfrm>
+          <a:prstGeom prst="rect">
+            <a:avLst/>
+          </a:prstGeom>
+        </p:spPr>
+        <p:txBody>
+          <a:bodyPr wrap="square">
             <a:spAutoFit/>
           </a:bodyPr>
           <a:lstStyle/>
           <a:p>
             <a:pPr algn="ctr"/>
             <a:r>
-              <a:rPr lang="en-US" sz="1400" dirty="0" smtClean="0"/>
-              <a:t>RDF</a:t>
+              <a:rPr lang="en-US" sz="1200" dirty="0"/>
+              <a:t>Facts to</a:t>
             </a:r>
           </a:p>
           <a:p>
             <a:pPr algn="ctr"/>
             <a:r>
-              <a:rPr lang="en-US" sz="1400" dirty="0" smtClean="0"/>
-              <a:t>Triples</a:t>
-            </a:r>
+              <a:rPr lang="en-US" sz="1200" dirty="0" smtClean="0"/>
+              <a:t>be checked</a:t>
+            </a:r>
+            <a:endParaRPr lang="en-US" sz="1200" dirty="0"/>
           </a:p>
         </p:txBody>
       </p:sp>
       <p:cxnSp>
         <p:nvCxnSpPr>
-          <p:cNvPr id="88" name="Straight Arrow Connector 87"/>
+          <p:cNvPr id="41" name="Elbow Connector 40"/>
           <p:cNvCxnSpPr>
-            <a:stCxn id="96" idx="1"/>
-            <a:endCxn id="119" idx="2"/>
+            <a:stCxn id="17" idx="3"/>
+            <a:endCxn id="46" idx="3"/>
           </p:cNvCxnSpPr>
           <p:nvPr/>
         </p:nvCxnSpPr>
         <p:spPr>
-          <a:xfrm flipV="1">
-            <a:off x="8542683" y="5359886"/>
-            <a:ext cx="0" cy="384030"/>
-          </a:xfrm>
-          <a:prstGeom prst="straightConnector1">
-            <a:avLst/>
+          <a:xfrm flipH="1">
+            <a:off x="8094685" y="5178711"/>
+            <a:ext cx="788943" cy="312871"/>
+          </a:xfrm>
+          <a:prstGeom prst="bentConnector4">
+            <a:avLst>
+              <a:gd name="adj1" fmla="val -28975"/>
+              <a:gd name="adj2" fmla="val 179156"/>
+            </a:avLst>
           </a:prstGeom>
           <a:ln>
             <a:tailEnd type="triangle"/>
@@ -11578,20 +11960,90 @@
       </p:cxnSp>
       <p:cxnSp>
         <p:nvCxnSpPr>
-          <p:cNvPr id="135" name="Straight Arrow Connector 134"/>
+          <p:cNvPr id="47" name="Straight Arrow Connector 46"/>
           <p:cNvCxnSpPr>
-            <a:stCxn id="116" idx="3"/>
-            <a:endCxn id="119" idx="1"/>
+            <a:stCxn id="17" idx="3"/>
           </p:cNvCxnSpPr>
           <p:nvPr/>
         </p:nvCxnSpPr>
         <p:spPr>
           <a:xfrm>
-            <a:off x="6388365" y="5015935"/>
-            <a:ext cx="1365402" cy="0"/>
+            <a:off x="8883628" y="5178711"/>
+            <a:ext cx="1452404" cy="0"/>
           </a:xfrm>
           <a:prstGeom prst="straightConnector1">
             <a:avLst/>
+          </a:prstGeom>
+          <a:ln>
+            <a:solidFill>
+              <a:srgbClr val="FF0000"/>
+            </a:solidFill>
+            <a:tailEnd type="triangle"/>
+          </a:ln>
+        </p:spPr>
+        <p:style>
+          <a:lnRef idx="1">
+            <a:schemeClr val="accent1"/>
+          </a:lnRef>
+          <a:fillRef idx="0">
+            <a:schemeClr val="accent1"/>
+          </a:fillRef>
+          <a:effectRef idx="0">
+            <a:schemeClr val="accent1"/>
+          </a:effectRef>
+          <a:fontRef idx="minor">
+            <a:schemeClr val="tx1"/>
+          </a:fontRef>
+        </p:style>
+      </p:cxnSp>
+      <p:pic>
+        <p:nvPicPr>
+          <p:cNvPr id="63" name="Picture 62"/>
+          <p:cNvPicPr>
+            <a:picLocks noChangeAspect="1"/>
+          </p:cNvPicPr>
+          <p:nvPr/>
+        </p:nvPicPr>
+        <p:blipFill>
+          <a:blip r:embed="rId5">
+            <a:extLst>
+              <a:ext uri="{28A0092B-C50C-407E-A947-70E740481C1C}">
+                <a14:useLocalDpi xmlns:a14="http://schemas.microsoft.com/office/drawing/2010/main" val="0"/>
+              </a:ext>
+            </a:extLst>
+          </a:blip>
+          <a:stretch>
+            <a:fillRect/>
+          </a:stretch>
+        </p:blipFill>
+        <p:spPr>
+          <a:xfrm>
+            <a:off x="10391844" y="4858135"/>
+            <a:ext cx="596371" cy="596371"/>
+          </a:xfrm>
+          <a:prstGeom prst="rect">
+            <a:avLst/>
+          </a:prstGeom>
+        </p:spPr>
+      </p:pic>
+      <p:cxnSp>
+        <p:nvCxnSpPr>
+          <p:cNvPr id="95" name="Elbow Connector 94"/>
+          <p:cNvCxnSpPr>
+            <a:stCxn id="46" idx="1"/>
+            <a:endCxn id="50" idx="2"/>
+          </p:cNvCxnSpPr>
+          <p:nvPr/>
+        </p:nvCxnSpPr>
+        <p:spPr>
+          <a:xfrm rot="16200000" flipV="1">
+            <a:off x="5595043" y="2408208"/>
+            <a:ext cx="1048341" cy="3950944"/>
+          </a:xfrm>
+          <a:prstGeom prst="bentConnector3">
+            <a:avLst>
+              <a:gd name="adj1" fmla="val 56343"/>
+            </a:avLst>
           </a:prstGeom>
           <a:ln>
             <a:solidFill>
@@ -11617,19 +12069,21 @@
       </p:cxnSp>
       <p:sp>
         <p:nvSpPr>
-          <p:cNvPr id="138" name="TextBox 137"/>
+          <p:cNvPr id="100" name="TextBox 99"/>
           <p:cNvSpPr txBox="1"/>
           <p:nvPr/>
         </p:nvSpPr>
         <p:spPr>
           <a:xfrm>
-            <a:off x="6502454" y="4993525"/>
-            <a:ext cx="1137224" cy="523220"/>
-          </a:xfrm>
-          <a:prstGeom prst="rect">
-            <a:avLst/>
-          </a:prstGeom>
-          <a:noFill/>
+            <a:off x="5181720" y="4000522"/>
+            <a:ext cx="1531415" cy="307777"/>
+          </a:xfrm>
+          <a:prstGeom prst="rect">
+            <a:avLst/>
+          </a:prstGeom>
+          <a:solidFill>
+            <a:schemeClr val="bg1"/>
+          </a:solidFill>
         </p:spPr>
         <p:txBody>
           <a:bodyPr wrap="square" rtlCol="0">
@@ -11637,342 +12091,11 @@
           </a:bodyPr>
           <a:lstStyle/>
           <a:p>
-            <a:pPr algn="ctr"/>
-            <a:r>
-              <a:rPr lang="en-US" sz="1400" smtClean="0"/>
-              <a:t>Knowledge Graph</a:t>
-            </a:r>
-            <a:endParaRPr lang="en-US" sz="1400" dirty="0" smtClean="0"/>
-          </a:p>
-        </p:txBody>
-      </p:sp>
-      <p:sp>
-        <p:nvSpPr>
-          <p:cNvPr id="96" name="Can 95"/>
-          <p:cNvSpPr/>
-          <p:nvPr/>
-        </p:nvSpPr>
-        <p:spPr>
-          <a:xfrm>
-            <a:off x="8016960" y="5743916"/>
-            <a:ext cx="1051445" cy="583732"/>
-          </a:xfrm>
-          <a:prstGeom prst="can">
-            <a:avLst/>
-          </a:prstGeom>
-          <a:solidFill>
-            <a:schemeClr val="bg1"/>
-          </a:solidFill>
-        </p:spPr>
-        <p:style>
-          <a:lnRef idx="2">
-            <a:schemeClr val="accent1">
-              <a:shade val="50000"/>
-            </a:schemeClr>
-          </a:lnRef>
-          <a:fillRef idx="1">
-            <a:schemeClr val="accent1"/>
-          </a:fillRef>
-          <a:effectRef idx="0">
-            <a:schemeClr val="accent1"/>
-          </a:effectRef>
-          <a:fontRef idx="minor">
-            <a:schemeClr val="lt1"/>
-          </a:fontRef>
-        </p:style>
-        <p:txBody>
-          <a:bodyPr rtlCol="0" anchor="ctr"/>
-          <a:lstStyle/>
-          <a:p>
-            <a:pPr algn="ctr"/>
-            <a:r>
-              <a:rPr lang="en-US" sz="1200" dirty="0" smtClean="0">
-                <a:solidFill>
-                  <a:sysClr val="windowText" lastClr="000000"/>
-                </a:solidFill>
-              </a:rPr>
-              <a:t>Facts to be checked</a:t>
-            </a:r>
-            <a:endParaRPr lang="en-US" sz="1200" dirty="0">
-              <a:solidFill>
-                <a:sysClr val="windowText" lastClr="000000"/>
-              </a:solidFill>
-            </a:endParaRPr>
-          </a:p>
-        </p:txBody>
-      </p:sp>
-      <p:sp>
-        <p:nvSpPr>
-          <p:cNvPr id="143" name="TextBox 142"/>
-          <p:cNvSpPr txBox="1"/>
-          <p:nvPr/>
-        </p:nvSpPr>
-        <p:spPr>
-          <a:xfrm>
-            <a:off x="5731819" y="3216923"/>
-            <a:ext cx="2031005" cy="307777"/>
-          </a:xfrm>
-          <a:prstGeom prst="rect">
-            <a:avLst/>
-          </a:prstGeom>
-          <a:noFill/>
-        </p:spPr>
-        <p:txBody>
-          <a:bodyPr wrap="none" rtlCol="0">
-            <a:spAutoFit/>
-          </a:bodyPr>
-          <a:lstStyle/>
-          <a:p>
-            <a:pPr algn="ctr"/>
-            <a:r>
-              <a:rPr lang="en-US" sz="1400" smtClean="0"/>
-              <a:t>Relevant Text Documents</a:t>
+            <a:r>
+              <a:rPr lang="en-US" sz="1400" dirty="0" smtClean="0"/>
+              <a:t>Positive Feedback</a:t>
             </a:r>
             <a:endParaRPr lang="en-US" sz="1400" dirty="0"/>
-          </a:p>
-        </p:txBody>
-      </p:sp>
-      <p:sp>
-        <p:nvSpPr>
-          <p:cNvPr id="144" name="Rectangle 143"/>
-          <p:cNvSpPr/>
-          <p:nvPr/>
-        </p:nvSpPr>
-        <p:spPr>
-          <a:xfrm>
-            <a:off x="1981478" y="3542566"/>
-            <a:ext cx="524182" cy="215444"/>
-          </a:xfrm>
-          <a:prstGeom prst="rect">
-            <a:avLst/>
-          </a:prstGeom>
-          <a:solidFill>
-            <a:schemeClr val="bg1"/>
-          </a:solidFill>
-        </p:spPr>
-        <p:txBody>
-          <a:bodyPr wrap="none" lIns="0" tIns="0" rIns="0" bIns="0">
-            <a:spAutoFit/>
-          </a:bodyPr>
-          <a:lstStyle/>
-          <a:p>
-            <a:r>
-              <a:rPr lang="en-US" sz="1400" dirty="0" smtClean="0">
-                <a:solidFill>
-                  <a:sysClr val="windowText" lastClr="000000"/>
-                </a:solidFill>
-              </a:rPr>
-              <a:t>Output</a:t>
-            </a:r>
-            <a:endParaRPr lang="en-US" sz="1400" dirty="0"/>
-          </a:p>
-        </p:txBody>
-      </p:sp>
-      <p:cxnSp>
-        <p:nvCxnSpPr>
-          <p:cNvPr id="145" name="Straight Arrow Connector 144"/>
-          <p:cNvCxnSpPr>
-            <a:stCxn id="119" idx="3"/>
-          </p:cNvCxnSpPr>
-          <p:nvPr/>
-        </p:nvCxnSpPr>
-        <p:spPr>
-          <a:xfrm flipV="1">
-            <a:off x="9331599" y="5015934"/>
-            <a:ext cx="1104047" cy="1"/>
-          </a:xfrm>
-          <a:prstGeom prst="straightConnector1">
-            <a:avLst/>
-          </a:prstGeom>
-          <a:ln>
-            <a:solidFill>
-              <a:schemeClr val="tx1"/>
-            </a:solidFill>
-            <a:tailEnd type="triangle"/>
-          </a:ln>
-        </p:spPr>
-        <p:style>
-          <a:lnRef idx="1">
-            <a:schemeClr val="accent1"/>
-          </a:lnRef>
-          <a:fillRef idx="0">
-            <a:schemeClr val="accent1"/>
-          </a:fillRef>
-          <a:effectRef idx="0">
-            <a:schemeClr val="accent1"/>
-          </a:effectRef>
-          <a:fontRef idx="minor">
-            <a:schemeClr val="tx1"/>
-          </a:fontRef>
-        </p:style>
-      </p:cxnSp>
-      <p:cxnSp>
-        <p:nvCxnSpPr>
-          <p:cNvPr id="149" name="Elbow Connector 148"/>
-          <p:cNvCxnSpPr>
-            <a:stCxn id="119" idx="3"/>
-            <a:endCxn id="116" idx="2"/>
-          </p:cNvCxnSpPr>
-          <p:nvPr/>
-        </p:nvCxnSpPr>
-        <p:spPr>
-          <a:xfrm flipH="1">
-            <a:off x="5398407" y="5015935"/>
-            <a:ext cx="3933192" cy="343951"/>
-          </a:xfrm>
-          <a:prstGeom prst="bentConnector4">
-            <a:avLst>
-              <a:gd name="adj1" fmla="val -6974"/>
-              <a:gd name="adj2" fmla="val 434973"/>
-            </a:avLst>
-          </a:prstGeom>
-          <a:ln>
-            <a:solidFill>
-              <a:schemeClr val="tx1"/>
-            </a:solidFill>
-            <a:tailEnd type="triangle"/>
-          </a:ln>
-        </p:spPr>
-        <p:style>
-          <a:lnRef idx="1">
-            <a:schemeClr val="accent1"/>
-          </a:lnRef>
-          <a:fillRef idx="0">
-            <a:schemeClr val="accent1"/>
-          </a:fillRef>
-          <a:effectRef idx="0">
-            <a:schemeClr val="accent1"/>
-          </a:effectRef>
-          <a:fontRef idx="minor">
-            <a:schemeClr val="tx1"/>
-          </a:fontRef>
-        </p:style>
-      </p:cxnSp>
-      <p:sp>
-        <p:nvSpPr>
-          <p:cNvPr id="155" name="TextBox 154"/>
-          <p:cNvSpPr txBox="1"/>
-          <p:nvPr/>
-        </p:nvSpPr>
-        <p:spPr>
-          <a:xfrm>
-            <a:off x="5478042" y="5957102"/>
-            <a:ext cx="2284782" cy="523220"/>
-          </a:xfrm>
-          <a:prstGeom prst="rect">
-            <a:avLst/>
-          </a:prstGeom>
-          <a:noFill/>
-        </p:spPr>
-        <p:txBody>
-          <a:bodyPr wrap="square" rtlCol="0">
-            <a:spAutoFit/>
-          </a:bodyPr>
-          <a:lstStyle/>
-          <a:p>
-            <a:pPr algn="ctr"/>
-            <a:r>
-              <a:rPr lang="en-US" sz="1400" dirty="0" smtClean="0"/>
-              <a:t>Knowledge Graph Update </a:t>
-            </a:r>
-            <a:r>
-              <a:rPr lang="en-US" sz="1400" smtClean="0"/>
-              <a:t>with high truth value facts</a:t>
-            </a:r>
-            <a:endParaRPr lang="en-US" sz="1400" dirty="0" smtClean="0"/>
-          </a:p>
-        </p:txBody>
-      </p:sp>
-      <p:sp>
-        <p:nvSpPr>
-          <p:cNvPr id="157" name="Rectangle 156"/>
-          <p:cNvSpPr/>
-          <p:nvPr/>
-        </p:nvSpPr>
-        <p:spPr>
-          <a:xfrm>
-            <a:off x="10435645" y="4291558"/>
-            <a:ext cx="1259893" cy="1247865"/>
-          </a:xfrm>
-          <a:prstGeom prst="rect">
-            <a:avLst/>
-          </a:prstGeom>
-          <a:ln>
-            <a:solidFill>
-              <a:schemeClr val="tx1"/>
-            </a:solidFill>
-          </a:ln>
-        </p:spPr>
-        <p:style>
-          <a:lnRef idx="2">
-            <a:schemeClr val="accent6"/>
-          </a:lnRef>
-          <a:fillRef idx="1">
-            <a:schemeClr val="lt1"/>
-          </a:fillRef>
-          <a:effectRef idx="0">
-            <a:schemeClr val="accent6"/>
-          </a:effectRef>
-          <a:fontRef idx="minor">
-            <a:schemeClr val="dk1"/>
-          </a:fontRef>
-        </p:style>
-        <p:txBody>
-          <a:bodyPr rtlCol="0" anchor="ctr"/>
-          <a:lstStyle/>
-          <a:p>
-            <a:pPr algn="ctr"/>
-            <a:r>
-              <a:rPr lang="en-US" smtClean="0">
-                <a:solidFill>
-                  <a:sysClr val="windowText" lastClr="000000"/>
-                </a:solidFill>
-              </a:rPr>
-              <a:t>Truth value of </a:t>
-            </a:r>
-            <a:r>
-              <a:rPr lang="en-US" dirty="0" smtClean="0">
-                <a:solidFill>
-                  <a:sysClr val="windowText" lastClr="000000"/>
-                </a:solidFill>
-              </a:rPr>
-              <a:t>the checked facts</a:t>
-            </a:r>
-            <a:endParaRPr lang="en-US" dirty="0">
-              <a:solidFill>
-                <a:sysClr val="windowText" lastClr="000000"/>
-              </a:solidFill>
-            </a:endParaRPr>
-          </a:p>
-        </p:txBody>
-      </p:sp>
-      <p:sp>
-        <p:nvSpPr>
-          <p:cNvPr id="120" name="TextBox 119"/>
-          <p:cNvSpPr txBox="1"/>
-          <p:nvPr/>
-        </p:nvSpPr>
-        <p:spPr>
-          <a:xfrm>
-            <a:off x="5478042" y="220181"/>
-            <a:ext cx="1362168" cy="369332"/>
-          </a:xfrm>
-          <a:prstGeom prst="rect">
-            <a:avLst/>
-          </a:prstGeom>
-          <a:noFill/>
-        </p:spPr>
-        <p:txBody>
-          <a:bodyPr wrap="none" rtlCol="0">
-            <a:spAutoFit/>
-          </a:bodyPr>
-          <a:lstStyle/>
-          <a:p>
-            <a:r>
-              <a:rPr lang="en-US" smtClean="0"/>
-              <a:t>FOR REPORT</a:t>
-            </a:r>
-            <a:endParaRPr lang="en-US"/>
           </a:p>
         </p:txBody>
       </p:sp>
@@ -34161,7 +34284,7 @@
           <p:nvPr/>
         </p:nvPicPr>
         <p:blipFill>
-          <a:blip r:embed="rId2"/>
+          <a:blip r:embed="rId3"/>
           <a:stretch>
             <a:fillRect/>
           </a:stretch>
@@ -34283,7 +34406,7 @@
           <p:nvPr/>
         </p:nvPicPr>
         <p:blipFill>
-          <a:blip r:embed="rId2">
+          <a:blip r:embed="rId3">
             <a:extLst>
               <a:ext uri="{28A0092B-C50C-407E-A947-70E740481C1C}">
                 <a14:useLocalDpi xmlns:a14="http://schemas.microsoft.com/office/drawing/2010/main" val="0"/>
@@ -35217,7 +35340,7 @@
             </a:r>
             <a:r>
               <a:rPr lang="en-US" sz="500" dirty="0">
-                <a:hlinkClick r:id="rId3" tooltip="Multinational corporation"/>
+                <a:hlinkClick r:id="rId4" tooltip="Multinational corporation"/>
               </a:rPr>
               <a:t>multinational</a:t>
             </a:r>
@@ -35227,7 +35350,7 @@
             </a:r>
             <a:r>
               <a:rPr lang="en-US" sz="500" dirty="0">
-                <a:hlinkClick r:id="rId4" tooltip="Conglomerate (company)"/>
+                <a:hlinkClick r:id="rId5" tooltip="Conglomerate (company)"/>
               </a:rPr>
               <a:t>conglomerate</a:t>
             </a:r>
@@ -35237,7 +35360,7 @@
             </a:r>
             <a:r>
               <a:rPr lang="en-US" sz="500" baseline="30000" dirty="0">
-                <a:hlinkClick r:id="rId5"/>
+                <a:hlinkClick r:id="rId6"/>
               </a:rPr>
               <a:t>[2]</a:t>
             </a:r>
@@ -35247,7 +35370,7 @@
             </a:r>
             <a:r>
               <a:rPr lang="en-US" sz="500" dirty="0">
-                <a:hlinkClick r:id="rId6" tooltip="Adhesive"/>
+                <a:hlinkClick r:id="rId7" tooltip="Adhesive"/>
               </a:rPr>
               <a:t>adhesives</a:t>
             </a:r>
@@ -35257,7 +35380,7 @@
             </a:r>
             <a:r>
               <a:rPr lang="en-US" sz="500" dirty="0">
-                <a:hlinkClick r:id="rId7" tooltip="Abrasive"/>
+                <a:hlinkClick r:id="rId8" tooltip="Abrasive"/>
               </a:rPr>
               <a:t>abrasives</a:t>
             </a:r>
@@ -35267,7 +35390,7 @@
             </a:r>
             <a:r>
               <a:rPr lang="en-US" sz="500" dirty="0">
-                <a:hlinkClick r:id="rId8" tooltip="Laminate"/>
+                <a:hlinkClick r:id="rId9" tooltip="Laminate"/>
               </a:rPr>
               <a:t>laminates</a:t>
             </a:r>
@@ -35277,7 +35400,7 @@
             </a:r>
             <a:r>
               <a:rPr lang="en-US" sz="500" dirty="0">
-                <a:hlinkClick r:id="rId9" tooltip="Passive fire protection"/>
+                <a:hlinkClick r:id="rId10" tooltip="Passive fire protection"/>
               </a:rPr>
               <a:t>passive fire protection</a:t>
             </a:r>
@@ -35287,7 +35410,7 @@
             </a:r>
             <a:r>
               <a:rPr lang="en-US" sz="500" dirty="0">
-                <a:hlinkClick r:id="rId10" tooltip="Personal protective equipment"/>
+                <a:hlinkClick r:id="rId11" tooltip="Personal protective equipment"/>
               </a:rPr>
               <a:t>personal protective equipment</a:t>
             </a:r>
@@ -35297,7 +35420,7 @@
             </a:r>
             <a:r>
               <a:rPr lang="en-US" sz="500" baseline="30000" dirty="0">
-                <a:hlinkClick r:id="rId11"/>
+                <a:hlinkClick r:id="rId12"/>
               </a:rPr>
               <a:t>[3]</a:t>
             </a:r>
@@ -35307,7 +35430,7 @@
             </a:r>
             <a:r>
               <a:rPr lang="en-US" sz="500" dirty="0">
-                <a:hlinkClick r:id="rId12" tooltip="Electronic circuits"/>
+                <a:hlinkClick r:id="rId13" tooltip="Electronic circuits"/>
               </a:rPr>
               <a:t>electronic circuits</a:t>
             </a:r>
@@ -35317,7 +35440,7 @@
             </a:r>
             <a:r>
               <a:rPr lang="en-US" sz="500" baseline="30000" dirty="0">
-                <a:hlinkClick r:id="rId13"/>
+                <a:hlinkClick r:id="rId14"/>
               </a:rPr>
               <a:t>[4]</a:t>
             </a:r>
@@ -35488,7 +35611,7 @@
           <p:nvPr/>
         </p:nvPicPr>
         <p:blipFill rotWithShape="1">
-          <a:blip r:embed="rId2">
+          <a:blip r:embed="rId3">
             <a:extLst>
               <a:ext uri="{28A0092B-C50C-407E-A947-70E740481C1C}">
                 <a14:useLocalDpi xmlns:a14="http://schemas.microsoft.com/office/drawing/2010/main" val="0"/>
@@ -35527,7 +35650,7 @@
           <p:nvPr/>
         </p:nvPicPr>
         <p:blipFill rotWithShape="1">
-          <a:blip r:embed="rId2">
+          <a:blip r:embed="rId3">
             <a:extLst>
               <a:ext uri="{28A0092B-C50C-407E-A947-70E740481C1C}">
                 <a14:useLocalDpi xmlns:a14="http://schemas.microsoft.com/office/drawing/2010/main" val="0"/>
@@ -35566,7 +35689,7 @@
           <p:nvPr/>
         </p:nvPicPr>
         <p:blipFill>
-          <a:blip r:embed="rId2">
+          <a:blip r:embed="rId3">
             <a:extLst>
               <a:ext uri="{28A0092B-C50C-407E-A947-70E740481C1C}">
                 <a14:useLocalDpi xmlns:a14="http://schemas.microsoft.com/office/drawing/2010/main" val="0"/>
@@ -35607,7 +35730,7 @@
           <p:nvPr/>
         </p:nvPicPr>
         <p:blipFill rotWithShape="1">
-          <a:blip r:embed="rId2">
+          <a:blip r:embed="rId3">
             <a:extLst>
               <a:ext uri="{28A0092B-C50C-407E-A947-70E740481C1C}">
                 <a14:useLocalDpi xmlns:a14="http://schemas.microsoft.com/office/drawing/2010/main" val="0"/>
@@ -35829,7 +35952,7 @@
           <p:nvPr/>
         </p:nvPicPr>
         <p:blipFill>
-          <a:blip r:embed="rId2">
+          <a:blip r:embed="rId3">
             <a:extLst>
               <a:ext uri="{28A0092B-C50C-407E-A947-70E740481C1C}">
                 <a14:useLocalDpi xmlns:a14="http://schemas.microsoft.com/office/drawing/2010/main" val="0"/>
@@ -35870,7 +35993,7 @@
           <p:nvPr/>
         </p:nvPicPr>
         <p:blipFill>
-          <a:blip r:embed="rId2">
+          <a:blip r:embed="rId3">
             <a:extLst>
               <a:ext uri="{28A0092B-C50C-407E-A947-70E740481C1C}">
                 <a14:useLocalDpi xmlns:a14="http://schemas.microsoft.com/office/drawing/2010/main" val="0"/>
@@ -35911,7 +36034,7 @@
           <p:nvPr/>
         </p:nvPicPr>
         <p:blipFill>
-          <a:blip r:embed="rId2">
+          <a:blip r:embed="rId3">
             <a:extLst>
               <a:ext uri="{28A0092B-C50C-407E-A947-70E740481C1C}">
                 <a14:useLocalDpi xmlns:a14="http://schemas.microsoft.com/office/drawing/2010/main" val="0"/>
@@ -35952,7 +36075,7 @@
           <p:nvPr/>
         </p:nvPicPr>
         <p:blipFill>
-          <a:blip r:embed="rId2">
+          <a:blip r:embed="rId3">
             <a:extLst>
               <a:ext uri="{28A0092B-C50C-407E-A947-70E740481C1C}">
                 <a14:useLocalDpi xmlns:a14="http://schemas.microsoft.com/office/drawing/2010/main" val="0"/>
@@ -35993,7 +36116,7 @@
           <p:nvPr/>
         </p:nvPicPr>
         <p:blipFill>
-          <a:blip r:embed="rId2">
+          <a:blip r:embed="rId3">
             <a:extLst>
               <a:ext uri="{28A0092B-C50C-407E-A947-70E740481C1C}">
                 <a14:useLocalDpi xmlns:a14="http://schemas.microsoft.com/office/drawing/2010/main" val="0"/>
@@ -36034,7 +36157,7 @@
           <p:nvPr/>
         </p:nvPicPr>
         <p:blipFill>
-          <a:blip r:embed="rId2">
+          <a:blip r:embed="rId3">
             <a:extLst>
               <a:ext uri="{28A0092B-C50C-407E-A947-70E740481C1C}">
                 <a14:useLocalDpi xmlns:a14="http://schemas.microsoft.com/office/drawing/2010/main" val="0"/>
@@ -36345,7 +36468,7 @@
           <p:nvPr/>
         </p:nvPicPr>
         <p:blipFill rotWithShape="1">
-          <a:blip r:embed="rId2">
+          <a:blip r:embed="rId3">
             <a:extLst>
               <a:ext uri="{28A0092B-C50C-407E-A947-70E740481C1C}">
                 <a14:useLocalDpi xmlns:a14="http://schemas.microsoft.com/office/drawing/2010/main" val="0"/>
@@ -36384,7 +36507,7 @@
           <p:nvPr/>
         </p:nvPicPr>
         <p:blipFill rotWithShape="1">
-          <a:blip r:embed="rId2">
+          <a:blip r:embed="rId3">
             <a:extLst>
               <a:ext uri="{28A0092B-C50C-407E-A947-70E740481C1C}">
                 <a14:useLocalDpi xmlns:a14="http://schemas.microsoft.com/office/drawing/2010/main" val="0"/>
@@ -36881,7 +37004,7 @@
           <p:nvPr/>
         </p:nvPicPr>
         <p:blipFill>
-          <a:blip r:embed="rId2">
+          <a:blip r:embed="rId3">
             <a:extLst>
               <a:ext uri="{28A0092B-C50C-407E-A947-70E740481C1C}">
                 <a14:useLocalDpi xmlns:a14="http://schemas.microsoft.com/office/drawing/2010/main" val="0"/>
@@ -36922,7 +37045,7 @@
           <p:nvPr/>
         </p:nvPicPr>
         <p:blipFill>
-          <a:blip r:embed="rId2">
+          <a:blip r:embed="rId3">
             <a:extLst>
               <a:ext uri="{28A0092B-C50C-407E-A947-70E740481C1C}">
                 <a14:useLocalDpi xmlns:a14="http://schemas.microsoft.com/office/drawing/2010/main" val="0"/>
@@ -36963,7 +37086,7 @@
           <p:nvPr/>
         </p:nvPicPr>
         <p:blipFill>
-          <a:blip r:embed="rId2">
+          <a:blip r:embed="rId3">
             <a:extLst>
               <a:ext uri="{28A0092B-C50C-407E-A947-70E740481C1C}">
                 <a14:useLocalDpi xmlns:a14="http://schemas.microsoft.com/office/drawing/2010/main" val="0"/>
@@ -37135,7 +37258,7 @@
           <p:nvPr/>
         </p:nvPicPr>
         <p:blipFill>
-          <a:blip r:embed="rId2">
+          <a:blip r:embed="rId3">
             <a:extLst>
               <a:ext uri="{28A0092B-C50C-407E-A947-70E740481C1C}">
                 <a14:useLocalDpi xmlns:a14="http://schemas.microsoft.com/office/drawing/2010/main" val="0"/>
@@ -37176,7 +37299,7 @@
           <p:nvPr/>
         </p:nvPicPr>
         <p:blipFill>
-          <a:blip r:embed="rId2">
+          <a:blip r:embed="rId3">
             <a:extLst>
               <a:ext uri="{28A0092B-C50C-407E-A947-70E740481C1C}">
                 <a14:useLocalDpi xmlns:a14="http://schemas.microsoft.com/office/drawing/2010/main" val="0"/>
@@ -37217,7 +37340,7 @@
           <p:nvPr/>
         </p:nvPicPr>
         <p:blipFill>
-          <a:blip r:embed="rId2">
+          <a:blip r:embed="rId3">
             <a:extLst>
               <a:ext uri="{28A0092B-C50C-407E-A947-70E740481C1C}">
                 <a14:useLocalDpi xmlns:a14="http://schemas.microsoft.com/office/drawing/2010/main" val="0"/>
@@ -37348,7 +37471,7 @@
           <p:nvPr/>
         </p:nvPicPr>
         <p:blipFill rotWithShape="1">
-          <a:blip r:embed="rId2">
+          <a:blip r:embed="rId3">
             <a:extLst>
               <a:ext uri="{28A0092B-C50C-407E-A947-70E740481C1C}">
                 <a14:useLocalDpi xmlns:a14="http://schemas.microsoft.com/office/drawing/2010/main" val="0"/>
@@ -37383,7 +37506,7 @@
           <p:nvPr/>
         </p:nvPicPr>
         <p:blipFill rotWithShape="1">
-          <a:blip r:embed="rId2"/>
+          <a:blip r:embed="rId3"/>
           <a:srcRect l="5454" t="24554" r="36137" b="7107"/>
           <a:stretch/>
         </p:blipFill>
@@ -37406,7 +37529,7 @@
           <p:nvPr/>
         </p:nvPicPr>
         <p:blipFill>
-          <a:blip r:embed="rId2">
+          <a:blip r:embed="rId3">
             <a:extLst>
               <a:ext uri="{28A0092B-C50C-407E-A947-70E740481C1C}">
                 <a14:useLocalDpi xmlns:a14="http://schemas.microsoft.com/office/drawing/2010/main" val="0"/>
@@ -37447,7 +37570,7 @@
           <p:nvPr/>
         </p:nvPicPr>
         <p:blipFill rotWithShape="1">
-          <a:blip r:embed="rId2">
+          <a:blip r:embed="rId3">
             <a:extLst>
               <a:ext uri="{28A0092B-C50C-407E-A947-70E740481C1C}">
                 <a14:useLocalDpi xmlns:a14="http://schemas.microsoft.com/office/drawing/2010/main" val="0"/>
@@ -37476,7 +37599,7 @@
           <p:nvPr/>
         </p:nvPicPr>
         <p:blipFill>
-          <a:blip r:embed="rId2">
+          <a:blip r:embed="rId3">
             <a:extLst>
               <a:ext uri="{28A0092B-C50C-407E-A947-70E740481C1C}">
                 <a14:useLocalDpi xmlns:a14="http://schemas.microsoft.com/office/drawing/2010/main" val="0"/>
@@ -37579,7 +37702,7 @@
           <p:nvPr/>
         </p:nvPicPr>
         <p:blipFill>
-          <a:blip r:embed="rId2">
+          <a:blip r:embed="rId3">
             <a:extLst>
               <a:ext uri="{28A0092B-C50C-407E-A947-70E740481C1C}">
                 <a14:useLocalDpi xmlns:a14="http://schemas.microsoft.com/office/drawing/2010/main" val="0"/>
@@ -37660,7 +37783,7 @@
           <p:nvPr/>
         </p:nvPicPr>
         <p:blipFill>
-          <a:blip r:embed="rId2">
+          <a:blip r:embed="rId3">
             <a:extLst>
               <a:ext uri="{28A0092B-C50C-407E-A947-70E740481C1C}">
                 <a14:useLocalDpi xmlns:a14="http://schemas.microsoft.com/office/drawing/2010/main" val="0"/>
